--- a/Thesis/Magnetic Transmission Lines/Thesis Proposal.pptx
+++ b/Thesis/Magnetic Transmission Lines/Thesis Proposal.pptx
@@ -7,6 +7,8 @@
   <p:sldIdLst>
     <p:sldId id="256" r:id="rId2"/>
     <p:sldId id="257" r:id="rId3"/>
+    <p:sldId id="258" r:id="rId4"/>
+    <p:sldId id="259" r:id="rId5"/>
   </p:sldIdLst>
   <p:sldSz cx="12192000" cy="6858000"/>
   <p:notesSz cx="6858000" cy="9144000"/>
@@ -105,6 +107,11 @@
       </a:defRPr>
     </a:lvl9pPr>
   </p:defaultTextStyle>
+  <p:extLst>
+    <p:ext uri="{EFAFB233-063F-42B5-8137-9DF3F51BA10A}">
+      <p15:sldGuideLst xmlns:p15="http://schemas.microsoft.com/office/powerpoint/2012/main"/>
+    </p:ext>
+  </p:extLst>
 </p:presentation>
 </file>
 
@@ -3093,7 +3100,11 @@
             </a:pPr>
             <a:r>
               <a:rPr lang="en-US" dirty="0" smtClean="0"/>
-              <a:t>Inductors.</a:t>
+              <a:t>Inductors and Magnetic </a:t>
+            </a:r>
+            <a:r>
+              <a:rPr lang="en-US" dirty="0" smtClean="0"/>
+              <a:t>Amplifiers. </a:t>
             </a:r>
             <a:endParaRPr lang="en-US" dirty="0" smtClean="0"/>
           </a:p>
@@ -3103,9 +3114,10 @@
               <a:buAutoNum type="arabicPeriod"/>
             </a:pPr>
             <a:r>
-              <a:rPr lang="en-US" dirty="0" smtClean="0"/>
-              <a:t>Magnetic Amplifiers. </a:t>
-            </a:r>
+              <a:rPr lang="en-US" dirty="0"/>
+              <a:t>Transformers: Power Transformers, Ferro-resonant CVT, Wideband Transformers, Pulse Transformers.</a:t>
+            </a:r>
+            <a:endParaRPr lang="en-US" dirty="0" smtClean="0"/>
           </a:p>
           <a:p>
             <a:pPr marL="514350" indent="-514350">
@@ -3114,11 +3126,15 @@
             </a:pPr>
             <a:r>
               <a:rPr lang="en-US" dirty="0" smtClean="0"/>
-              <a:t>Transformers: Power Transformers, Ferro-resonant CVT, Wideband Transformers, </a:t>
-            </a:r>
-            <a:r>
-              <a:rPr lang="en-US" smtClean="0"/>
-              <a:t>Pulse Transformers.</a:t>
+              <a:t>AC / </a:t>
+            </a:r>
+            <a:r>
+              <a:rPr lang="en-US" dirty="0"/>
+              <a:t>DC </a:t>
+            </a:r>
+            <a:r>
+              <a:rPr lang="en-US" dirty="0" smtClean="0"/>
+              <a:t>Machines.</a:t>
             </a:r>
             <a:endParaRPr lang="en-US" dirty="0" smtClean="0"/>
           </a:p>
@@ -3169,6 +3185,726 @@
     <p:extLst>
       <p:ext uri="{BB962C8B-B14F-4D97-AF65-F5344CB8AC3E}">
         <p14:creationId xmlns:p14="http://schemas.microsoft.com/office/powerpoint/2010/main" val="790512381"/>
+      </p:ext>
+    </p:extLst>
+  </p:cSld>
+  <p:clrMapOvr>
+    <a:masterClrMapping/>
+  </p:clrMapOvr>
+</p:sld>
+</file>
+
+<file path=ppt/slides/slide3.xml><?xml version="1.0" encoding="utf-8"?>
+<p:sld xmlns:a="http://schemas.openxmlformats.org/drawingml/2006/main" xmlns:r="http://schemas.openxmlformats.org/officeDocument/2006/relationships" xmlns:p="http://schemas.openxmlformats.org/presentationml/2006/main">
+  <p:cSld>
+    <p:spTree>
+      <p:nvGrpSpPr>
+        <p:cNvPr id="1" name=""/>
+        <p:cNvGrpSpPr/>
+        <p:nvPr/>
+      </p:nvGrpSpPr>
+      <p:grpSpPr>
+        <a:xfrm>
+          <a:off x="0" y="0"/>
+          <a:ext cx="0" cy="0"/>
+          <a:chOff x="0" y="0"/>
+          <a:chExt cx="0" cy="0"/>
+        </a:xfrm>
+      </p:grpSpPr>
+      <p:sp>
+        <p:nvSpPr>
+          <p:cNvPr id="2" name="Title 1"/>
+          <p:cNvSpPr>
+            <a:spLocks noGrp="1"/>
+          </p:cNvSpPr>
+          <p:nvPr>
+            <p:ph type="title"/>
+          </p:nvPr>
+        </p:nvSpPr>
+        <p:spPr/>
+        <p:txBody>
+          <a:bodyPr/>
+          <a:lstStyle/>
+          <a:p>
+            <a:r>
+              <a:rPr lang="en-US" dirty="0" smtClean="0"/>
+              <a:t>Lossy Complex Magnetic Reluctance Model for Magnetic Circuits</a:t>
+            </a:r>
+            <a:endParaRPr lang="en-US" dirty="0"/>
+          </a:p>
+        </p:txBody>
+      </p:sp>
+      <mc:AlternateContent xmlns:mc="http://schemas.openxmlformats.org/markup-compatibility/2006">
+        <mc:Choice xmlns:a14="http://schemas.microsoft.com/office/drawing/2010/main" Requires="a14">
+          <p:sp>
+            <p:nvSpPr>
+              <p:cNvPr id="3" name="Content Placeholder 2"/>
+              <p:cNvSpPr>
+                <a:spLocks noGrp="1"/>
+              </p:cNvSpPr>
+              <p:nvPr>
+                <p:ph idx="1"/>
+              </p:nvPr>
+            </p:nvSpPr>
+            <p:spPr/>
+            <p:txBody>
+              <a:bodyPr/>
+              <a:lstStyle/>
+              <a:p>
+                <a:r>
+                  <a:rPr lang="en-US" dirty="0" smtClean="0"/>
+                  <a:t>Hopkinson’s Law is the counterpart of Ohm’s Law for Magnetic circuits. It defines reluctance as the ratio of sinusoidal </a:t>
+                </a:r>
+                <a:r>
+                  <a:rPr lang="en-US" dirty="0" err="1" smtClean="0"/>
+                  <a:t>Magnetomotive</a:t>
+                </a:r>
+                <a:r>
+                  <a:rPr lang="en-US" dirty="0" smtClean="0"/>
+                  <a:t> Force and sinusoidal Magnetic Flux .</a:t>
+                </a:r>
+              </a:p>
+              <a:p>
+                <a:pPr marL="0" indent="0">
+                  <a:buNone/>
+                </a:pPr>
+                <a14:m>
+                  <m:oMathPara xmlns:m="http://schemas.openxmlformats.org/officeDocument/2006/math">
+                    <m:oMathParaPr>
+                      <m:jc m:val="centerGroup"/>
+                    </m:oMathParaPr>
+                    <m:oMath xmlns:m="http://schemas.openxmlformats.org/officeDocument/2006/math">
+                      <m:r>
+                        <a:rPr lang="en-US" b="1" i="1" smtClean="0">
+                          <a:latin typeface="Cambria Math" panose="02040503050406030204" pitchFamily="18" charset="0"/>
+                          <a:ea typeface="Cambria Math" panose="02040503050406030204" pitchFamily="18" charset="0"/>
+                        </a:rPr>
+                        <m:t>𝓡</m:t>
+                      </m:r>
+                      <m:r>
+                        <a:rPr lang="en-US" b="0" i="1" smtClean="0">
+                          <a:latin typeface="Cambria Math" panose="02040503050406030204" pitchFamily="18" charset="0"/>
+                        </a:rPr>
+                        <m:t>=</m:t>
+                      </m:r>
+                      <m:f>
+                        <m:fPr>
+                          <m:ctrlPr>
+                            <a:rPr lang="en-US" i="1" smtClean="0">
+                              <a:latin typeface="Cambria Math" panose="02040503050406030204" pitchFamily="18" charset="0"/>
+                            </a:rPr>
+                          </m:ctrlPr>
+                        </m:fPr>
+                        <m:num>
+                          <m:r>
+                            <a:rPr lang="en-US" b="1" i="1">
+                              <a:latin typeface="Cambria Math" panose="02040503050406030204" pitchFamily="18" charset="0"/>
+                            </a:rPr>
+                            <m:t>𝓕</m:t>
+                          </m:r>
+                        </m:num>
+                        <m:den>
+                          <m:r>
+                            <a:rPr lang="en-US" b="1" i="1">
+                              <a:latin typeface="Cambria Math" panose="02040503050406030204" pitchFamily="18" charset="0"/>
+                              <a:ea typeface="Cambria Math" panose="02040503050406030204" pitchFamily="18" charset="0"/>
+                            </a:rPr>
+                            <m:t>∅</m:t>
+                          </m:r>
+                        </m:den>
+                      </m:f>
+                      <m:r>
+                        <a:rPr lang="en-US" b="0" i="1" smtClean="0">
+                          <a:latin typeface="Cambria Math" panose="02040503050406030204" pitchFamily="18" charset="0"/>
+                        </a:rPr>
+                        <m:t>=</m:t>
+                      </m:r>
+                      <m:f>
+                        <m:fPr>
+                          <m:ctrlPr>
+                            <a:rPr lang="en-US" b="0" i="1" smtClean="0">
+                              <a:latin typeface="Cambria Math" panose="02040503050406030204" pitchFamily="18" charset="0"/>
+                            </a:rPr>
+                          </m:ctrlPr>
+                        </m:fPr>
+                        <m:num>
+                          <m:nary>
+                            <m:naryPr>
+                              <m:limLoc m:val="undOvr"/>
+                              <m:subHide m:val="on"/>
+                              <m:supHide m:val="on"/>
+                              <m:ctrlPr>
+                                <a:rPr lang="en-US" b="0" i="1" smtClean="0">
+                                  <a:latin typeface="Cambria Math" panose="02040503050406030204" pitchFamily="18" charset="0"/>
+                                </a:rPr>
+                              </m:ctrlPr>
+                            </m:naryPr>
+                            <m:sub/>
+                            <m:sup/>
+                            <m:e>
+                              <m:r>
+                                <a:rPr lang="en-US" b="1" i="1" smtClean="0">
+                                  <a:latin typeface="Cambria Math" panose="02040503050406030204" pitchFamily="18" charset="0"/>
+                                </a:rPr>
+                                <m:t>𝑯</m:t>
+                              </m:r>
+                              <m:r>
+                                <a:rPr lang="en-US" b="0" i="1" smtClean="0">
+                                  <a:latin typeface="Cambria Math" panose="02040503050406030204" pitchFamily="18" charset="0"/>
+                                </a:rPr>
+                                <m:t>.</m:t>
+                              </m:r>
+                              <m:r>
+                                <a:rPr lang="en-US" b="0" i="1" smtClean="0">
+                                  <a:latin typeface="Cambria Math" panose="02040503050406030204" pitchFamily="18" charset="0"/>
+                                </a:rPr>
+                                <m:t>𝑑𝑙</m:t>
+                              </m:r>
+                            </m:e>
+                          </m:nary>
+                        </m:num>
+                        <m:den>
+                          <m:nary>
+                            <m:naryPr>
+                              <m:chr m:val="∬"/>
+                              <m:limLoc m:val="undOvr"/>
+                              <m:subHide m:val="on"/>
+                              <m:supHide m:val="on"/>
+                              <m:ctrlPr>
+                                <a:rPr lang="en-US" b="0" i="1" smtClean="0">
+                                  <a:latin typeface="Cambria Math" panose="02040503050406030204" pitchFamily="18" charset="0"/>
+                                </a:rPr>
+                              </m:ctrlPr>
+                            </m:naryPr>
+                            <m:sub/>
+                            <m:sup/>
+                            <m:e>
+                              <m:r>
+                                <a:rPr lang="en-US" b="1" i="1" smtClean="0">
+                                  <a:latin typeface="Cambria Math" panose="02040503050406030204" pitchFamily="18" charset="0"/>
+                                </a:rPr>
+                                <m:t>𝑩</m:t>
+                              </m:r>
+                              <m:r>
+                                <a:rPr lang="en-US" b="0" i="1" smtClean="0">
+                                  <a:latin typeface="Cambria Math" panose="02040503050406030204" pitchFamily="18" charset="0"/>
+                                </a:rPr>
+                                <m:t>.</m:t>
+                              </m:r>
+                              <m:r>
+                                <a:rPr lang="en-US" b="0" i="1" smtClean="0">
+                                  <a:latin typeface="Cambria Math" panose="02040503050406030204" pitchFamily="18" charset="0"/>
+                                </a:rPr>
+                                <m:t>𝑑𝑆</m:t>
+                              </m:r>
+                            </m:e>
+                          </m:nary>
+                        </m:den>
+                      </m:f>
+                    </m:oMath>
+                  </m:oMathPara>
+                </a14:m>
+                <a:endParaRPr lang="en-US" dirty="0" smtClean="0"/>
+              </a:p>
+              <a:p>
+                <a:r>
+                  <a:rPr lang="en-US" dirty="0" smtClean="0"/>
+                  <a:t>Lossy Complex Magnetic Reluctance is non-linear and varies with the magnetic field. It resists both Magnetic flux and changes in Magnetic flux. The real part of reluctance is responsible for power loss in Magnetic materials.</a:t>
+                </a:r>
+              </a:p>
+              <a:p>
+                <a:endParaRPr lang="en-US" dirty="0" smtClean="0"/>
+              </a:p>
+            </p:txBody>
+          </p:sp>
+        </mc:Choice>
+        <mc:Fallback>
+          <p:sp>
+            <p:nvSpPr>
+              <p:cNvPr id="3" name="Content Placeholder 2"/>
+              <p:cNvSpPr>
+                <a:spLocks noGrp="1" noRot="1" noChangeAspect="1" noMove="1" noResize="1" noEditPoints="1" noAdjustHandles="1" noChangeArrowheads="1" noChangeShapeType="1" noTextEdit="1"/>
+              </p:cNvSpPr>
+              <p:nvPr>
+                <p:ph idx="1"/>
+              </p:nvPr>
+            </p:nvSpPr>
+            <p:spPr>
+              <a:blipFill>
+                <a:blip r:embed="rId2"/>
+                <a:stretch>
+                  <a:fillRect l="-1043" t="-2241" r="-116"/>
+                </a:stretch>
+              </a:blipFill>
+            </p:spPr>
+            <p:txBody>
+              <a:bodyPr/>
+              <a:lstStyle/>
+              <a:p>
+                <a:r>
+                  <a:rPr lang="en-US">
+                    <a:noFill/>
+                  </a:rPr>
+                  <a:t> </a:t>
+                </a:r>
+              </a:p>
+            </p:txBody>
+          </p:sp>
+        </mc:Fallback>
+      </mc:AlternateContent>
+    </p:spTree>
+    <p:extLst>
+      <p:ext uri="{BB962C8B-B14F-4D97-AF65-F5344CB8AC3E}">
+        <p14:creationId xmlns:p14="http://schemas.microsoft.com/office/powerpoint/2010/main" val="3709521207"/>
+      </p:ext>
+    </p:extLst>
+  </p:cSld>
+  <p:clrMapOvr>
+    <a:masterClrMapping/>
+  </p:clrMapOvr>
+</p:sld>
+</file>
+
+<file path=ppt/slides/slide4.xml><?xml version="1.0" encoding="utf-8"?>
+<p:sld xmlns:a="http://schemas.openxmlformats.org/drawingml/2006/main" xmlns:r="http://schemas.openxmlformats.org/officeDocument/2006/relationships" xmlns:p="http://schemas.openxmlformats.org/presentationml/2006/main">
+  <p:cSld>
+    <p:spTree>
+      <p:nvGrpSpPr>
+        <p:cNvPr id="1" name=""/>
+        <p:cNvGrpSpPr/>
+        <p:nvPr/>
+      </p:nvGrpSpPr>
+      <p:grpSpPr>
+        <a:xfrm>
+          <a:off x="0" y="0"/>
+          <a:ext cx="0" cy="0"/>
+          <a:chOff x="0" y="0"/>
+          <a:chExt cx="0" cy="0"/>
+        </a:xfrm>
+      </p:grpSpPr>
+      <p:sp>
+        <p:nvSpPr>
+          <p:cNvPr id="2" name="Title 1"/>
+          <p:cNvSpPr>
+            <a:spLocks noGrp="1"/>
+          </p:cNvSpPr>
+          <p:nvPr>
+            <p:ph type="title"/>
+          </p:nvPr>
+        </p:nvSpPr>
+        <p:spPr>
+          <a:xfrm>
+            <a:off x="838199" y="365125"/>
+            <a:ext cx="10661073" cy="1325563"/>
+          </a:xfrm>
+        </p:spPr>
+        <p:txBody>
+          <a:bodyPr/>
+          <a:lstStyle/>
+          <a:p>
+            <a:r>
+              <a:rPr lang="en-US" dirty="0" smtClean="0"/>
+              <a:t>Gyrator-Capacitor Model for Magnetic Circuits</a:t>
+            </a:r>
+            <a:endParaRPr lang="en-US" dirty="0"/>
+          </a:p>
+        </p:txBody>
+      </p:sp>
+      <mc:AlternateContent xmlns:mc="http://schemas.openxmlformats.org/markup-compatibility/2006">
+        <mc:Choice xmlns:a14="http://schemas.microsoft.com/office/drawing/2010/main" Requires="a14">
+          <p:sp>
+            <p:nvSpPr>
+              <p:cNvPr id="3" name="Content Placeholder 2"/>
+              <p:cNvSpPr>
+                <a:spLocks noGrp="1"/>
+              </p:cNvSpPr>
+              <p:nvPr>
+                <p:ph idx="1"/>
+              </p:nvPr>
+            </p:nvSpPr>
+            <p:spPr>
+              <a:xfrm>
+                <a:off x="838200" y="1690688"/>
+                <a:ext cx="10515600" cy="5014913"/>
+              </a:xfrm>
+            </p:spPr>
+            <p:txBody>
+              <a:bodyPr>
+                <a:normAutofit/>
+              </a:bodyPr>
+              <a:lstStyle/>
+              <a:p>
+                <a:r>
+                  <a:rPr lang="en-US" dirty="0" smtClean="0"/>
+                  <a:t>Tellegen’s Gyrator theory describes power invariant transformation of magnetic and electric quantities. The effort and flow quantities are related by the gyration constant.</a:t>
+                </a:r>
+              </a:p>
+              <a:p>
+                <a:pPr marL="0" indent="0" algn="ctr">
+                  <a:buNone/>
+                </a:pPr>
+                <a14:m>
+                  <m:oMath xmlns:m="http://schemas.openxmlformats.org/officeDocument/2006/math">
+                    <m:f>
+                      <m:fPr>
+                        <m:ctrlPr>
+                          <a:rPr lang="en-US" b="0" i="1" smtClean="0">
+                            <a:latin typeface="Cambria Math" panose="02040503050406030204" pitchFamily="18" charset="0"/>
+                          </a:rPr>
+                        </m:ctrlPr>
+                      </m:fPr>
+                      <m:num>
+                        <m:r>
+                          <a:rPr lang="en-US" b="0" i="1" smtClean="0">
+                            <a:latin typeface="Cambria Math" panose="02040503050406030204" pitchFamily="18" charset="0"/>
+                          </a:rPr>
+                          <m:t>𝑑</m:t>
+                        </m:r>
+                        <m:r>
+                          <a:rPr lang="en-US" b="1" i="1" smtClean="0">
+                            <a:latin typeface="Cambria Math" panose="02040503050406030204" pitchFamily="18" charset="0"/>
+                            <a:ea typeface="Cambria Math" panose="02040503050406030204" pitchFamily="18" charset="0"/>
+                          </a:rPr>
+                          <m:t>∅</m:t>
+                        </m:r>
+                      </m:num>
+                      <m:den>
+                        <m:r>
+                          <a:rPr lang="en-US" b="0" i="1" smtClean="0">
+                            <a:latin typeface="Cambria Math" panose="02040503050406030204" pitchFamily="18" charset="0"/>
+                          </a:rPr>
+                          <m:t>𝑑𝑡</m:t>
+                        </m:r>
+                      </m:den>
+                    </m:f>
+                    <m:r>
+                      <a:rPr lang="en-US" b="0" i="1" smtClean="0">
+                        <a:latin typeface="Cambria Math" panose="02040503050406030204" pitchFamily="18" charset="0"/>
+                      </a:rPr>
+                      <m:t>=−</m:t>
+                    </m:r>
+                    <m:f>
+                      <m:fPr>
+                        <m:ctrlPr>
+                          <a:rPr lang="en-US" i="1">
+                            <a:latin typeface="Cambria Math" panose="02040503050406030204" pitchFamily="18" charset="0"/>
+                          </a:rPr>
+                        </m:ctrlPr>
+                      </m:fPr>
+                      <m:num>
+                        <m:r>
+                          <a:rPr lang="en-US" i="1" smtClean="0">
+                            <a:latin typeface="Cambria Math" panose="02040503050406030204" pitchFamily="18" charset="0"/>
+                          </a:rPr>
+                          <m:t>1</m:t>
+                        </m:r>
+                      </m:num>
+                      <m:den>
+                        <m:r>
+                          <a:rPr lang="en-US" b="0" i="1" smtClean="0">
+                            <a:latin typeface="Cambria Math" panose="02040503050406030204" pitchFamily="18" charset="0"/>
+                          </a:rPr>
+                          <m:t>𝑁</m:t>
+                        </m:r>
+                      </m:den>
+                    </m:f>
+                    <m:r>
+                      <a:rPr lang="en-US" b="0" i="1" smtClean="0">
+                        <a:latin typeface="Cambria Math" panose="02040503050406030204" pitchFamily="18" charset="0"/>
+                      </a:rPr>
+                      <m:t>𝑉</m:t>
+                    </m:r>
+                  </m:oMath>
+                </a14:m>
+                <a:r>
+                  <a:rPr lang="en-US" dirty="0" smtClean="0"/>
+                  <a:t> and </a:t>
+                </a:r>
+                <a14:m>
+                  <m:oMath xmlns:m="http://schemas.openxmlformats.org/officeDocument/2006/math">
+                    <m:r>
+                      <a:rPr lang="en-US" b="0" i="1">
+                        <a:latin typeface="Cambria Math" panose="02040503050406030204" pitchFamily="18" charset="0"/>
+                      </a:rPr>
+                      <m:t>ℱ</m:t>
+                    </m:r>
+                    <m:r>
+                      <a:rPr lang="en-US" b="1" i="1" smtClean="0">
+                        <a:latin typeface="Cambria Math" panose="02040503050406030204" pitchFamily="18" charset="0"/>
+                      </a:rPr>
+                      <m:t>=</m:t>
+                    </m:r>
+                    <m:r>
+                      <a:rPr lang="en-US" b="0" i="1" smtClean="0">
+                        <a:latin typeface="Cambria Math" panose="02040503050406030204" pitchFamily="18" charset="0"/>
+                      </a:rPr>
+                      <m:t>𝑁𝐼</m:t>
+                    </m:r>
+                  </m:oMath>
+                </a14:m>
+                <a:endParaRPr lang="en-US" dirty="0" smtClean="0"/>
+              </a:p>
+              <a:p>
+                <a:r>
+                  <a:rPr lang="en-US" dirty="0" smtClean="0"/>
+                  <a:t>Magnetic Current is the rate of change of Magnetic Flux. It results from the polarization of Magnetic Dipoles hence it </a:t>
+                </a:r>
+                <a:r>
+                  <a:rPr lang="en-US" dirty="0"/>
+                  <a:t>can be described as displacement current of magnetic </a:t>
+                </a:r>
+                <a:r>
+                  <a:rPr lang="en-US" dirty="0" smtClean="0"/>
+                  <a:t>dipoles. Magnetic Impedance is defined as</a:t>
+                </a:r>
+              </a:p>
+              <a:p>
+                <a:pPr marL="0" indent="0" algn="ctr">
+                  <a:buNone/>
+                </a:pPr>
+                <a:r>
+                  <a:rPr lang="en-US" b="0" dirty="0" smtClean="0"/>
+                  <a:t>   </a:t>
+                </a:r>
+                <a14:m>
+                  <m:oMath xmlns:m="http://schemas.openxmlformats.org/officeDocument/2006/math">
+                    <m:r>
+                      <a:rPr lang="en-US" b="0" i="1" smtClean="0">
+                        <a:latin typeface="Cambria Math" panose="02040503050406030204" pitchFamily="18" charset="0"/>
+                      </a:rPr>
+                      <m:t>𝑍</m:t>
+                    </m:r>
+                    <m:r>
+                      <a:rPr lang="en-US" b="0" i="1" smtClean="0">
+                        <a:latin typeface="Cambria Math" panose="02040503050406030204" pitchFamily="18" charset="0"/>
+                      </a:rPr>
+                      <m:t>=</m:t>
+                    </m:r>
+                    <m:f>
+                      <m:fPr>
+                        <m:ctrlPr>
+                          <a:rPr lang="en-US" i="1" smtClean="0">
+                            <a:latin typeface="Cambria Math" panose="02040503050406030204" pitchFamily="18" charset="0"/>
+                          </a:rPr>
+                        </m:ctrlPr>
+                      </m:fPr>
+                      <m:num>
+                        <m:r>
+                          <a:rPr lang="en-US" b="1" i="1">
+                            <a:latin typeface="Cambria Math" panose="02040503050406030204" pitchFamily="18" charset="0"/>
+                          </a:rPr>
+                          <m:t>𝓕</m:t>
+                        </m:r>
+                      </m:num>
+                      <m:den>
+                        <m:r>
+                          <a:rPr lang="en-US" b="0" i="1" smtClean="0">
+                            <a:latin typeface="Cambria Math" panose="02040503050406030204" pitchFamily="18" charset="0"/>
+                          </a:rPr>
+                          <m:t>(</m:t>
+                        </m:r>
+                        <m:f>
+                          <m:fPr>
+                            <m:ctrlPr>
+                              <a:rPr lang="en-US" i="1">
+                                <a:latin typeface="Cambria Math" panose="02040503050406030204" pitchFamily="18" charset="0"/>
+                              </a:rPr>
+                            </m:ctrlPr>
+                          </m:fPr>
+                          <m:num>
+                            <m:r>
+                              <a:rPr lang="en-US" i="1">
+                                <a:latin typeface="Cambria Math" panose="02040503050406030204" pitchFamily="18" charset="0"/>
+                              </a:rPr>
+                              <m:t>𝑑</m:t>
+                            </m:r>
+                            <m:r>
+                              <a:rPr lang="en-US" b="1" i="1">
+                                <a:latin typeface="Cambria Math" panose="02040503050406030204" pitchFamily="18" charset="0"/>
+                                <a:ea typeface="Cambria Math" panose="02040503050406030204" pitchFamily="18" charset="0"/>
+                              </a:rPr>
+                              <m:t>∅</m:t>
+                            </m:r>
+                          </m:num>
+                          <m:den>
+                            <m:r>
+                              <a:rPr lang="en-US" i="1">
+                                <a:latin typeface="Cambria Math" panose="02040503050406030204" pitchFamily="18" charset="0"/>
+                              </a:rPr>
+                              <m:t>𝑑𝑡</m:t>
+                            </m:r>
+                          </m:den>
+                        </m:f>
+                        <m:r>
+                          <a:rPr lang="en-US" b="0" i="1" smtClean="0">
+                            <a:latin typeface="Cambria Math" panose="02040503050406030204" pitchFamily="18" charset="0"/>
+                          </a:rPr>
+                          <m:t>)</m:t>
+                        </m:r>
+                      </m:den>
+                    </m:f>
+                    <m:r>
+                      <a:rPr lang="en-US" b="0" i="1" smtClean="0">
+                        <a:latin typeface="Cambria Math" panose="02040503050406030204" pitchFamily="18" charset="0"/>
+                      </a:rPr>
+                      <m:t>=</m:t>
+                    </m:r>
+                    <m:f>
+                      <m:fPr>
+                        <m:ctrlPr>
+                          <a:rPr lang="en-US" i="1">
+                            <a:latin typeface="Cambria Math" panose="02040503050406030204" pitchFamily="18" charset="0"/>
+                          </a:rPr>
+                        </m:ctrlPr>
+                      </m:fPr>
+                      <m:num>
+                        <m:nary>
+                          <m:naryPr>
+                            <m:limLoc m:val="undOvr"/>
+                            <m:subHide m:val="on"/>
+                            <m:supHide m:val="on"/>
+                            <m:ctrlPr>
+                              <a:rPr lang="en-US" i="1">
+                                <a:latin typeface="Cambria Math" panose="02040503050406030204" pitchFamily="18" charset="0"/>
+                              </a:rPr>
+                            </m:ctrlPr>
+                          </m:naryPr>
+                          <m:sub/>
+                          <m:sup/>
+                          <m:e>
+                            <m:r>
+                              <a:rPr lang="en-US" b="1" i="1">
+                                <a:latin typeface="Cambria Math" panose="02040503050406030204" pitchFamily="18" charset="0"/>
+                              </a:rPr>
+                              <m:t>𝑯</m:t>
+                            </m:r>
+                            <m:r>
+                              <a:rPr lang="en-US" i="1">
+                                <a:latin typeface="Cambria Math" panose="02040503050406030204" pitchFamily="18" charset="0"/>
+                              </a:rPr>
+                              <m:t>.</m:t>
+                            </m:r>
+                            <m:r>
+                              <a:rPr lang="en-US" i="1">
+                                <a:latin typeface="Cambria Math" panose="02040503050406030204" pitchFamily="18" charset="0"/>
+                              </a:rPr>
+                              <m:t>𝑑𝑙</m:t>
+                            </m:r>
+                          </m:e>
+                        </m:nary>
+                      </m:num>
+                      <m:den>
+                        <m:f>
+                          <m:fPr>
+                            <m:ctrlPr>
+                              <a:rPr lang="en-US" i="1">
+                                <a:latin typeface="Cambria Math" panose="02040503050406030204" pitchFamily="18" charset="0"/>
+                              </a:rPr>
+                            </m:ctrlPr>
+                          </m:fPr>
+                          <m:num>
+                            <m:r>
+                              <a:rPr lang="en-US" i="1">
+                                <a:latin typeface="Cambria Math" panose="02040503050406030204" pitchFamily="18" charset="0"/>
+                              </a:rPr>
+                              <m:t>𝑑</m:t>
+                            </m:r>
+                          </m:num>
+                          <m:den>
+                            <m:r>
+                              <a:rPr lang="en-US" i="1">
+                                <a:latin typeface="Cambria Math" panose="02040503050406030204" pitchFamily="18" charset="0"/>
+                              </a:rPr>
+                              <m:t>𝑑𝑡</m:t>
+                            </m:r>
+                          </m:den>
+                        </m:f>
+                        <m:nary>
+                          <m:naryPr>
+                            <m:chr m:val="∬"/>
+                            <m:limLoc m:val="undOvr"/>
+                            <m:subHide m:val="on"/>
+                            <m:supHide m:val="on"/>
+                            <m:ctrlPr>
+                              <a:rPr lang="en-US" i="1">
+                                <a:latin typeface="Cambria Math" panose="02040503050406030204" pitchFamily="18" charset="0"/>
+                              </a:rPr>
+                            </m:ctrlPr>
+                          </m:naryPr>
+                          <m:sub/>
+                          <m:sup/>
+                          <m:e>
+                            <m:r>
+                              <a:rPr lang="en-US" b="1" i="1">
+                                <a:latin typeface="Cambria Math" panose="02040503050406030204" pitchFamily="18" charset="0"/>
+                              </a:rPr>
+                              <m:t>𝑩</m:t>
+                            </m:r>
+                            <m:r>
+                              <a:rPr lang="en-US" i="1">
+                                <a:latin typeface="Cambria Math" panose="02040503050406030204" pitchFamily="18" charset="0"/>
+                              </a:rPr>
+                              <m:t>.</m:t>
+                            </m:r>
+                            <m:r>
+                              <a:rPr lang="en-US" i="1">
+                                <a:latin typeface="Cambria Math" panose="02040503050406030204" pitchFamily="18" charset="0"/>
+                              </a:rPr>
+                              <m:t>𝑑𝑆</m:t>
+                            </m:r>
+                          </m:e>
+                        </m:nary>
+                      </m:den>
+                    </m:f>
+                  </m:oMath>
+                </a14:m>
+                <a:endParaRPr lang="en-US" dirty="0"/>
+              </a:p>
+            </p:txBody>
+          </p:sp>
+        </mc:Choice>
+        <mc:Fallback>
+          <p:sp>
+            <p:nvSpPr>
+              <p:cNvPr id="3" name="Content Placeholder 2"/>
+              <p:cNvSpPr>
+                <a:spLocks noGrp="1" noRot="1" noChangeAspect="1" noMove="1" noResize="1" noEditPoints="1" noAdjustHandles="1" noChangeArrowheads="1" noChangeShapeType="1" noTextEdit="1"/>
+              </p:cNvSpPr>
+              <p:nvPr>
+                <p:ph idx="1"/>
+              </p:nvPr>
+            </p:nvSpPr>
+            <p:spPr>
+              <a:xfrm>
+                <a:off x="838200" y="1690688"/>
+                <a:ext cx="10515600" cy="5014913"/>
+              </a:xfrm>
+              <a:blipFill>
+                <a:blip r:embed="rId2"/>
+                <a:stretch>
+                  <a:fillRect l="-1043" t="-1944" r="-1101"/>
+                </a:stretch>
+              </a:blipFill>
+            </p:spPr>
+            <p:txBody>
+              <a:bodyPr/>
+              <a:lstStyle/>
+              <a:p>
+                <a:r>
+                  <a:rPr lang="en-US">
+                    <a:noFill/>
+                  </a:rPr>
+                  <a:t> </a:t>
+                </a:r>
+              </a:p>
+            </p:txBody>
+          </p:sp>
+        </mc:Fallback>
+      </mc:AlternateContent>
+    </p:spTree>
+    <p:extLst>
+      <p:ext uri="{BB962C8B-B14F-4D97-AF65-F5344CB8AC3E}">
+        <p14:creationId xmlns:p14="http://schemas.microsoft.com/office/powerpoint/2010/main" val="3178013967"/>
       </p:ext>
     </p:extLst>
   </p:cSld>
